--- a/СловоВед.pptx
+++ b/СловоВед.pptx
@@ -7,19 +7,18 @@
   <p:sldIdLst>
     <p:sldId id="265" r:id="rId2"/>
     <p:sldId id="257" r:id="rId3"/>
-    <p:sldId id="260" r:id="rId4"/>
-    <p:sldId id="261" r:id="rId5"/>
-    <p:sldId id="258" r:id="rId6"/>
-    <p:sldId id="266" r:id="rId7"/>
-    <p:sldId id="267" r:id="rId8"/>
-    <p:sldId id="268" r:id="rId9"/>
-    <p:sldId id="264" r:id="rId10"/>
-    <p:sldId id="259" r:id="rId11"/>
-    <p:sldId id="262" r:id="rId12"/>
-    <p:sldId id="269" r:id="rId13"/>
-    <p:sldId id="270" r:id="rId14"/>
-    <p:sldId id="263" r:id="rId15"/>
-    <p:sldId id="271" r:id="rId16"/>
+    <p:sldId id="261" r:id="rId4"/>
+    <p:sldId id="258" r:id="rId5"/>
+    <p:sldId id="266" r:id="rId6"/>
+    <p:sldId id="267" r:id="rId7"/>
+    <p:sldId id="268" r:id="rId8"/>
+    <p:sldId id="264" r:id="rId9"/>
+    <p:sldId id="259" r:id="rId10"/>
+    <p:sldId id="262" r:id="rId11"/>
+    <p:sldId id="269" r:id="rId12"/>
+    <p:sldId id="270" r:id="rId13"/>
+    <p:sldId id="263" r:id="rId14"/>
+    <p:sldId id="271" r:id="rId15"/>
   </p:sldIdLst>
   <p:sldSz cx="12192000" cy="6858000"/>
   <p:notesSz cx="6858000" cy="9144000"/>
@@ -318,7 +317,7 @@
             <a:fld id="{3CADBD16-5BFB-4D9F-9646-C75D1B53BBB6}" type="datetimeFigureOut">
               <a:rPr lang="en-US" smtClean="0"/>
               <a:pPr/>
-              <a:t>11/27/2025</a:t>
+              <a:t>12/7/2025</a:t>
             </a:fld>
             <a:endParaRPr lang="en-US" dirty="0"/>
           </a:p>
@@ -756,7 +755,7 @@
             <a:fld id="{3CADBD16-5BFB-4D9F-9646-C75D1B53BBB6}" type="datetimeFigureOut">
               <a:rPr lang="en-US" smtClean="0"/>
               <a:pPr/>
-              <a:t>11/27/2025</a:t>
+              <a:t>12/7/2025</a:t>
             </a:fld>
             <a:endParaRPr lang="en-US" dirty="0"/>
           </a:p>
@@ -1008,7 +1007,7 @@
             <a:fld id="{3CADBD16-5BFB-4D9F-9646-C75D1B53BBB6}" type="datetimeFigureOut">
               <a:rPr lang="en-US" smtClean="0"/>
               <a:pPr/>
-              <a:t>11/27/2025</a:t>
+              <a:t>12/7/2025</a:t>
             </a:fld>
             <a:endParaRPr lang="en-US" dirty="0"/>
           </a:p>
@@ -1318,7 +1317,7 @@
             <a:fld id="{3CADBD16-5BFB-4D9F-9646-C75D1B53BBB6}" type="datetimeFigureOut">
               <a:rPr lang="en-US" smtClean="0"/>
               <a:pPr/>
-              <a:t>11/27/2025</a:t>
+              <a:t>12/7/2025</a:t>
             </a:fld>
             <a:endParaRPr lang="en-US" dirty="0"/>
           </a:p>
@@ -1638,7 +1637,7 @@
             <a:fld id="{3CADBD16-5BFB-4D9F-9646-C75D1B53BBB6}" type="datetimeFigureOut">
               <a:rPr lang="en-US" smtClean="0"/>
               <a:pPr/>
-              <a:t>11/27/2025</a:t>
+              <a:t>12/7/2025</a:t>
             </a:fld>
             <a:endParaRPr lang="en-US" dirty="0"/>
           </a:p>
@@ -1942,7 +1941,7 @@
             <a:fld id="{3CADBD16-5BFB-4D9F-9646-C75D1B53BBB6}" type="datetimeFigureOut">
               <a:rPr lang="en-US" smtClean="0"/>
               <a:pPr/>
-              <a:t>11/27/2025</a:t>
+              <a:t>12/7/2025</a:t>
             </a:fld>
             <a:endParaRPr lang="en-US" dirty="0"/>
           </a:p>
@@ -2311,7 +2310,7 @@
             <a:fld id="{3CADBD16-5BFB-4D9F-9646-C75D1B53BBB6}" type="datetimeFigureOut">
               <a:rPr lang="en-US" smtClean="0"/>
               <a:pPr/>
-              <a:t>11/27/2025</a:t>
+              <a:t>12/7/2025</a:t>
             </a:fld>
             <a:endParaRPr lang="en-US" dirty="0"/>
           </a:p>
@@ -2487,7 +2486,7 @@
             <a:fld id="{3CADBD16-5BFB-4D9F-9646-C75D1B53BBB6}" type="datetimeFigureOut">
               <a:rPr lang="en-US" smtClean="0"/>
               <a:pPr/>
-              <a:t>11/27/2025</a:t>
+              <a:t>12/7/2025</a:t>
             </a:fld>
             <a:endParaRPr lang="en-US" dirty="0"/>
           </a:p>
@@ -2669,7 +2668,7 @@
             <a:fld id="{3CADBD16-5BFB-4D9F-9646-C75D1B53BBB6}" type="datetimeFigureOut">
               <a:rPr lang="en-US" smtClean="0"/>
               <a:pPr/>
-              <a:t>11/27/2025</a:t>
+              <a:t>12/7/2025</a:t>
             </a:fld>
             <a:endParaRPr lang="en-US" dirty="0"/>
           </a:p>
@@ -2841,7 +2840,7 @@
             <a:fld id="{3CADBD16-5BFB-4D9F-9646-C75D1B53BBB6}" type="datetimeFigureOut">
               <a:rPr lang="en-US" smtClean="0"/>
               <a:pPr/>
-              <a:t>11/27/2025</a:t>
+              <a:t>12/7/2025</a:t>
             </a:fld>
             <a:endParaRPr lang="en-US" dirty="0"/>
           </a:p>
@@ -3093,7 +3092,7 @@
             <a:fld id="{3CADBD16-5BFB-4D9F-9646-C75D1B53BBB6}" type="datetimeFigureOut">
               <a:rPr lang="en-US" smtClean="0"/>
               <a:pPr/>
-              <a:t>11/27/2025</a:t>
+              <a:t>12/7/2025</a:t>
             </a:fld>
             <a:endParaRPr lang="en-US" dirty="0"/>
           </a:p>
@@ -3331,7 +3330,7 @@
             <a:fld id="{3CADBD16-5BFB-4D9F-9646-C75D1B53BBB6}" type="datetimeFigureOut">
               <a:rPr lang="en-US" smtClean="0"/>
               <a:pPr/>
-              <a:t>11/27/2025</a:t>
+              <a:t>12/7/2025</a:t>
             </a:fld>
             <a:endParaRPr lang="en-US" dirty="0"/>
           </a:p>
@@ -3715,7 +3714,7 @@
             <a:fld id="{3CADBD16-5BFB-4D9F-9646-C75D1B53BBB6}" type="datetimeFigureOut">
               <a:rPr lang="en-US" smtClean="0"/>
               <a:pPr/>
-              <a:t>11/27/2025</a:t>
+              <a:t>12/7/2025</a:t>
             </a:fld>
             <a:endParaRPr lang="en-US" dirty="0"/>
           </a:p>
@@ -3835,7 +3834,7 @@
             <a:fld id="{3CADBD16-5BFB-4D9F-9646-C75D1B53BBB6}" type="datetimeFigureOut">
               <a:rPr lang="en-US" smtClean="0"/>
               <a:pPr/>
-              <a:t>11/27/2025</a:t>
+              <a:t>12/7/2025</a:t>
             </a:fld>
             <a:endParaRPr lang="en-US" dirty="0"/>
           </a:p>
@@ -3932,7 +3931,7 @@
             <a:fld id="{3CADBD16-5BFB-4D9F-9646-C75D1B53BBB6}" type="datetimeFigureOut">
               <a:rPr lang="en-US" smtClean="0"/>
               <a:pPr/>
-              <a:t>11/27/2025</a:t>
+              <a:t>12/7/2025</a:t>
             </a:fld>
             <a:endParaRPr lang="en-US" dirty="0"/>
           </a:p>
@@ -4189,7 +4188,7 @@
             <a:fld id="{3CADBD16-5BFB-4D9F-9646-C75D1B53BBB6}" type="datetimeFigureOut">
               <a:rPr lang="en-US" smtClean="0"/>
               <a:pPr/>
-              <a:t>11/27/2025</a:t>
+              <a:t>12/7/2025</a:t>
             </a:fld>
             <a:endParaRPr lang="en-US" dirty="0"/>
           </a:p>
@@ -4474,7 +4473,7 @@
             <a:fld id="{3CADBD16-5BFB-4D9F-9646-C75D1B53BBB6}" type="datetimeFigureOut">
               <a:rPr lang="en-US" smtClean="0"/>
               <a:pPr/>
-              <a:t>11/27/2025</a:t>
+              <a:t>12/7/2025</a:t>
             </a:fld>
             <a:endParaRPr lang="en-US" dirty="0"/>
           </a:p>
@@ -4882,7 +4881,7 @@
             <a:fld id="{3CADBD16-5BFB-4D9F-9646-C75D1B53BBB6}" type="datetimeFigureOut">
               <a:rPr lang="en-US" smtClean="0"/>
               <a:pPr/>
-              <a:t>11/27/2025</a:t>
+              <a:t>12/7/2025</a:t>
             </a:fld>
             <a:endParaRPr lang="en-US" dirty="0"/>
           </a:p>
@@ -5795,7 +5794,7 @@
               <a:buChar char="•"/>
             </a:pPr>
             <a:r>
-              <a:rPr lang="en-US" sz="2000" dirty="0" err="1">
+              <a:rPr lang="en-US" sz="2000" b="1" dirty="0" err="1">
                 <a:solidFill>
                   <a:schemeClr val="tx1">
                     <a:lumMod val="95000"/>
@@ -5805,7 +5804,7 @@
               <a:t>Вербицкая</a:t>
             </a:r>
             <a:r>
-              <a:rPr lang="en-US" sz="2000" dirty="0">
+              <a:rPr lang="en-US" sz="2000" b="1" dirty="0">
                 <a:solidFill>
                   <a:schemeClr val="tx1">
                     <a:lumMod val="95000"/>
@@ -5815,7 +5814,7 @@
               <a:t> </a:t>
             </a:r>
             <a:r>
-              <a:rPr lang="en-US" sz="2000" dirty="0" err="1">
+              <a:rPr lang="en-US" sz="2000" b="1" dirty="0" err="1">
                 <a:solidFill>
                   <a:schemeClr val="tx1">
                     <a:lumMod val="95000"/>
@@ -5825,7 +5824,7 @@
               <a:t>Ульяна</a:t>
             </a:r>
             <a:r>
-              <a:rPr lang="en-US" sz="2000" dirty="0">
+              <a:rPr lang="en-US" sz="2000" b="1" dirty="0">
                 <a:solidFill>
                   <a:schemeClr val="tx1">
                     <a:lumMod val="95000"/>
@@ -5835,7 +5834,7 @@
               <a:t> </a:t>
             </a:r>
             <a:r>
-              <a:rPr lang="en-US" sz="2000" dirty="0" err="1">
+              <a:rPr lang="en-US" sz="2000" b="1" dirty="0" err="1">
                 <a:solidFill>
                   <a:schemeClr val="tx1">
                     <a:lumMod val="95000"/>
@@ -5845,6 +5844,16 @@
               <a:t>Максимовна</a:t>
             </a:r>
             <a:r>
+              <a:rPr lang="en-US" sz="2000" b="1" dirty="0">
+                <a:solidFill>
+                  <a:schemeClr val="tx1">
+                    <a:lumMod val="95000"/>
+                  </a:schemeClr>
+                </a:solidFill>
+              </a:rPr>
+              <a:t> </a:t>
+            </a:r>
+            <a:r>
               <a:rPr lang="en-US" sz="2000" dirty="0">
                 <a:solidFill>
                   <a:schemeClr val="tx1">
@@ -5852,7 +5861,7 @@
                   </a:schemeClr>
                 </a:solidFill>
               </a:rPr>
-              <a:t> 10</a:t>
+              <a:t>10</a:t>
             </a:r>
             <a:r>
               <a:rPr lang="ru-RU" sz="2000" dirty="0">
@@ -5922,7 +5931,7 @@
               <a:buChar char="•"/>
             </a:pPr>
             <a:r>
-              <a:rPr lang="en-US" sz="2000" dirty="0" err="1">
+              <a:rPr lang="en-US" sz="2000" b="1" dirty="0" err="1">
                 <a:solidFill>
                   <a:schemeClr val="tx1">
                     <a:lumMod val="95000"/>
@@ -5932,7 +5941,7 @@
               <a:t>Вронская</a:t>
             </a:r>
             <a:r>
-              <a:rPr lang="en-US" sz="2000" dirty="0">
+              <a:rPr lang="en-US" sz="2000" b="1" dirty="0">
                 <a:solidFill>
                   <a:schemeClr val="tx1">
                     <a:lumMod val="95000"/>
@@ -5942,7 +5951,7 @@
               <a:t> </a:t>
             </a:r>
             <a:r>
-              <a:rPr lang="en-US" sz="2000" dirty="0" err="1">
+              <a:rPr lang="en-US" sz="2000" b="1" dirty="0" err="1">
                 <a:solidFill>
                   <a:schemeClr val="tx1">
                     <a:lumMod val="95000"/>
@@ -5952,7 +5961,7 @@
               <a:t>Валерия</a:t>
             </a:r>
             <a:r>
-              <a:rPr lang="en-US" sz="2000" dirty="0">
+              <a:rPr lang="en-US" sz="2000" b="1" dirty="0">
                 <a:solidFill>
                   <a:schemeClr val="tx1">
                     <a:lumMod val="95000"/>
@@ -5962,7 +5971,7 @@
               <a:t> </a:t>
             </a:r>
             <a:r>
-              <a:rPr lang="en-US" sz="2000" dirty="0" err="1">
+              <a:rPr lang="en-US" sz="2000" b="1" dirty="0" err="1">
                 <a:solidFill>
                   <a:schemeClr val="tx1">
                     <a:lumMod val="95000"/>
@@ -5972,6 +5981,16 @@
               <a:t>Михайловна</a:t>
             </a:r>
             <a:r>
+              <a:rPr lang="en-US" sz="2000" b="1" dirty="0">
+                <a:solidFill>
+                  <a:schemeClr val="tx1">
+                    <a:lumMod val="95000"/>
+                  </a:schemeClr>
+                </a:solidFill>
+              </a:rPr>
+              <a:t> </a:t>
+            </a:r>
+            <a:r>
               <a:rPr lang="en-US" sz="2000" dirty="0">
                 <a:solidFill>
                   <a:schemeClr val="tx1">
@@ -5979,7 +5998,7 @@
                   </a:schemeClr>
                 </a:solidFill>
               </a:rPr>
-              <a:t> 10 «А» </a:t>
+              <a:t>10 «А» </a:t>
             </a:r>
             <a:r>
               <a:rPr lang="en-US" sz="2000" dirty="0" err="1">
@@ -6009,6 +6028,76 @@
               <a:buChar char="•"/>
             </a:pPr>
             <a:r>
+              <a:rPr lang="en-US" sz="2000" b="1" dirty="0" err="1">
+                <a:solidFill>
+                  <a:schemeClr val="tx1">
+                    <a:lumMod val="95000"/>
+                  </a:schemeClr>
+                </a:solidFill>
+              </a:rPr>
+              <a:t>Сычёв</a:t>
+            </a:r>
+            <a:r>
+              <a:rPr lang="en-US" sz="2000" b="1" dirty="0">
+                <a:solidFill>
+                  <a:schemeClr val="tx1">
+                    <a:lumMod val="95000"/>
+                  </a:schemeClr>
+                </a:solidFill>
+              </a:rPr>
+              <a:t> </a:t>
+            </a:r>
+            <a:r>
+              <a:rPr lang="en-US" sz="2000" b="1" dirty="0" err="1">
+                <a:solidFill>
+                  <a:schemeClr val="tx1">
+                    <a:lumMod val="95000"/>
+                  </a:schemeClr>
+                </a:solidFill>
+              </a:rPr>
+              <a:t>Андрей</a:t>
+            </a:r>
+            <a:r>
+              <a:rPr lang="en-US" sz="2000" b="1" dirty="0">
+                <a:solidFill>
+                  <a:schemeClr val="tx1">
+                    <a:lumMod val="95000"/>
+                  </a:schemeClr>
+                </a:solidFill>
+              </a:rPr>
+              <a:t> </a:t>
+            </a:r>
+            <a:r>
+              <a:rPr lang="en-US" sz="2000" b="1" dirty="0" err="1">
+                <a:solidFill>
+                  <a:schemeClr val="tx1">
+                    <a:lumMod val="95000"/>
+                  </a:schemeClr>
+                </a:solidFill>
+              </a:rPr>
+              <a:t>Михайлович</a:t>
+            </a:r>
+            <a:r>
+              <a:rPr lang="ru-RU" sz="2000" b="1" dirty="0">
+                <a:solidFill>
+                  <a:schemeClr val="tx1">
+                    <a:lumMod val="95000"/>
+                  </a:schemeClr>
+                </a:solidFill>
+              </a:rPr>
+              <a:t> </a:t>
+            </a:r>
+            <a:r>
+              <a:rPr lang="ru-RU" sz="2000" dirty="0">
+                <a:solidFill>
+                  <a:schemeClr val="tx1">
+                    <a:lumMod val="95000"/>
+                  </a:schemeClr>
+                </a:solidFill>
+              </a:rPr>
+              <a:t>- р</a:t>
+            </a:r>
+            <a:r>
               <a:rPr lang="en-US" sz="2000" dirty="0" err="1">
                 <a:solidFill>
                   <a:schemeClr val="tx1">
@@ -6016,7 +6105,7 @@
                   </a:schemeClr>
                 </a:solidFill>
               </a:rPr>
-              <a:t>Руководител</a:t>
+              <a:t>уководител</a:t>
             </a:r>
             <a:r>
               <a:rPr lang="ru-RU" sz="2000" dirty="0">
@@ -6049,33 +6138,24 @@
               <a:t>проекта</a:t>
             </a:r>
             <a:r>
-              <a:rPr lang="en-US" sz="2000" dirty="0">
+              <a:rPr lang="ru-RU" sz="2000" dirty="0">
                 <a:solidFill>
                   <a:schemeClr val="tx1">
                     <a:lumMod val="95000"/>
                   </a:schemeClr>
                 </a:solidFill>
               </a:rPr>
-              <a:t>:</a:t>
-            </a:r>
-            <a:br>
-              <a:rPr lang="ru-RU" sz="2000" dirty="0">
+              <a:t>, у</a:t>
+            </a:r>
+            <a:r>
+              <a:rPr lang="en-US" sz="2000" dirty="0" err="1">
                 <a:solidFill>
                   <a:schemeClr val="tx1">
                     <a:lumMod val="95000"/>
                   </a:schemeClr>
                 </a:solidFill>
               </a:rPr>
-            </a:br>
-            <a:r>
-              <a:rPr lang="en-US" sz="2000" dirty="0" err="1">
-                <a:solidFill>
-                  <a:schemeClr val="tx1">
-                    <a:lumMod val="95000"/>
-                  </a:schemeClr>
-                </a:solidFill>
-              </a:rPr>
-              <a:t>Сычёв</a:t>
+              <a:t>читель</a:t>
             </a:r>
             <a:r>
               <a:rPr lang="en-US" sz="2000" dirty="0">
@@ -6095,7 +6175,7 @@
                   </a:schemeClr>
                 </a:solidFill>
               </a:rPr>
-              <a:t>Андрей</a:t>
+              <a:t>информатики</a:t>
             </a:r>
             <a:r>
               <a:rPr lang="en-US" sz="2000" dirty="0">
@@ -6105,7 +6185,7 @@
                   </a:schemeClr>
                 </a:solidFill>
               </a:rPr>
-              <a:t> </a:t>
+              <a:t> и </a:t>
             </a:r>
             <a:r>
               <a:rPr lang="en-US" sz="2000" dirty="0" err="1">
@@ -6115,154 +6195,15 @@
                   </a:schemeClr>
                 </a:solidFill>
               </a:rPr>
-              <a:t>Михайлович</a:t>
-            </a:r>
-            <a:endParaRPr lang="en-US" sz="2000" dirty="0">
+              <a:t>робототехники</a:t>
+            </a:r>
+            <a:endParaRPr lang="en-US" sz="2000" b="1" dirty="0">
               <a:solidFill>
                 <a:schemeClr val="tx1">
                   <a:lumMod val="95000"/>
                 </a:schemeClr>
               </a:solidFill>
             </a:endParaRPr>
-          </a:p>
-          <a:p>
-            <a:pPr marL="342900" indent="-342900">
-              <a:lnSpc>
-                <a:spcPct val="150000"/>
-              </a:lnSpc>
-              <a:buSzPct val="150000"/>
-              <a:buFont typeface="Arial" panose="020B0604020202020204" pitchFamily="34" charset="0"/>
-              <a:buChar char="•"/>
-            </a:pPr>
-            <a:r>
-              <a:rPr lang="en-US" sz="2000" dirty="0" err="1">
-                <a:solidFill>
-                  <a:schemeClr val="tx1">
-                    <a:lumMod val="95000"/>
-                  </a:schemeClr>
-                </a:solidFill>
-              </a:rPr>
-              <a:t>Учитель</a:t>
-            </a:r>
-            <a:r>
-              <a:rPr lang="en-US" sz="2000" dirty="0">
-                <a:solidFill>
-                  <a:schemeClr val="tx1">
-                    <a:lumMod val="95000"/>
-                  </a:schemeClr>
-                </a:solidFill>
-              </a:rPr>
-              <a:t> </a:t>
-            </a:r>
-            <a:r>
-              <a:rPr lang="en-US" sz="2000" dirty="0" err="1">
-                <a:solidFill>
-                  <a:schemeClr val="tx1">
-                    <a:lumMod val="95000"/>
-                  </a:schemeClr>
-                </a:solidFill>
-              </a:rPr>
-              <a:t>информатики</a:t>
-            </a:r>
-            <a:r>
-              <a:rPr lang="en-US" sz="2000" dirty="0">
-                <a:solidFill>
-                  <a:schemeClr val="tx1">
-                    <a:lumMod val="95000"/>
-                  </a:schemeClr>
-                </a:solidFill>
-              </a:rPr>
-              <a:t> и </a:t>
-            </a:r>
-            <a:r>
-              <a:rPr lang="en-US" sz="2000" dirty="0" err="1">
-                <a:solidFill>
-                  <a:schemeClr val="tx1">
-                    <a:lumMod val="95000"/>
-                  </a:schemeClr>
-                </a:solidFill>
-              </a:rPr>
-              <a:t>робототехники</a:t>
-            </a:r>
-            <a:r>
-              <a:rPr lang="en-US" sz="2000" dirty="0">
-                <a:solidFill>
-                  <a:schemeClr val="tx1">
-                    <a:lumMod val="95000"/>
-                  </a:schemeClr>
-                </a:solidFill>
-              </a:rPr>
-              <a:t>:</a:t>
-            </a:r>
-            <a:br>
-              <a:rPr lang="ru-RU" sz="2000" dirty="0">
-                <a:solidFill>
-                  <a:schemeClr val="tx1">
-                    <a:lumMod val="95000"/>
-                  </a:schemeClr>
-                </a:solidFill>
-              </a:rPr>
-            </a:br>
-            <a:r>
-              <a:rPr lang="en-US" sz="2000" dirty="0" err="1">
-                <a:solidFill>
-                  <a:schemeClr val="tx1">
-                    <a:lumMod val="95000"/>
-                  </a:schemeClr>
-                </a:solidFill>
-              </a:rPr>
-              <a:t>Сычёв</a:t>
-            </a:r>
-            <a:r>
-              <a:rPr lang="en-US" sz="2000" dirty="0">
-                <a:solidFill>
-                  <a:schemeClr val="tx1">
-                    <a:lumMod val="95000"/>
-                  </a:schemeClr>
-                </a:solidFill>
-              </a:rPr>
-              <a:t> </a:t>
-            </a:r>
-            <a:r>
-              <a:rPr lang="en-US" sz="2000" dirty="0" err="1">
-                <a:solidFill>
-                  <a:schemeClr val="tx1">
-                    <a:lumMod val="95000"/>
-                  </a:schemeClr>
-                </a:solidFill>
-              </a:rPr>
-              <a:t>Андрей</a:t>
-            </a:r>
-            <a:r>
-              <a:rPr lang="en-US" sz="2000" dirty="0">
-                <a:solidFill>
-                  <a:schemeClr val="tx1">
-                    <a:lumMod val="95000"/>
-                  </a:schemeClr>
-                </a:solidFill>
-              </a:rPr>
-              <a:t> </a:t>
-            </a:r>
-            <a:r>
-              <a:rPr lang="en-US" sz="2000" dirty="0" err="1">
-                <a:solidFill>
-                  <a:schemeClr val="tx1">
-                    <a:lumMod val="95000"/>
-                  </a:schemeClr>
-                </a:solidFill>
-              </a:rPr>
-              <a:t>Михайлович</a:t>
-            </a:r>
-            <a:r>
-              <a:rPr lang="en-US" sz="2000" dirty="0">
-                <a:solidFill>
-                  <a:schemeClr val="tx1">
-                    <a:lumMod val="95000"/>
-                  </a:schemeClr>
-                </a:solidFill>
-              </a:rPr>
-              <a:t> </a:t>
-            </a:r>
           </a:p>
         </p:txBody>
       </p:sp>
@@ -6454,7 +6395,7 @@
           <p:cNvPr id="2" name="Заголовок 1">
             <a:extLst>
               <a:ext uri="{FF2B5EF4-FFF2-40B4-BE49-F238E27FC236}">
-                <a16:creationId xmlns:a16="http://schemas.microsoft.com/office/drawing/2014/main" id="{F9F9B821-A6BD-E310-F1A4-5B11BC0C816F}"/>
+                <a16:creationId xmlns:a16="http://schemas.microsoft.com/office/drawing/2014/main" id="{70C54862-BAEA-B932-29B4-6EA3596A177D}"/>
               </a:ext>
             </a:extLst>
           </p:cNvPr>
@@ -6487,7 +6428,7 @@
           <p:cNvPr id="3" name="Объект 2">
             <a:extLst>
               <a:ext uri="{FF2B5EF4-FFF2-40B4-BE49-F238E27FC236}">
-                <a16:creationId xmlns:a16="http://schemas.microsoft.com/office/drawing/2014/main" id="{866FC569-9FB4-7364-427B-DBC1CEDD19D1}"/>
+                <a16:creationId xmlns:a16="http://schemas.microsoft.com/office/drawing/2014/main" id="{F414F5B3-E0F9-57DC-449C-5B15976F9773}"/>
               </a:ext>
             </a:extLst>
           </p:cNvPr>
@@ -6500,7 +6441,7 @@
         </p:nvSpPr>
         <p:spPr>
           <a:xfrm>
-            <a:off x="1503196" y="2546405"/>
+            <a:off x="1080000" y="2124987"/>
             <a:ext cx="8534400" cy="3615267"/>
           </a:xfrm>
         </p:spPr>
@@ -6515,7 +6456,7 @@
     </p:spTree>
     <p:extLst>
       <p:ext uri="{BB962C8B-B14F-4D97-AF65-F5344CB8AC3E}">
-        <p14:creationId xmlns:p14="http://schemas.microsoft.com/office/powerpoint/2010/main" val="1639685267"/>
+        <p14:creationId xmlns:p14="http://schemas.microsoft.com/office/powerpoint/2010/main" val="733344461"/>
       </p:ext>
     </p:extLst>
   </p:cSld>
@@ -6547,7 +6488,7 @@
           <p:cNvPr id="2" name="Заголовок 1">
             <a:extLst>
               <a:ext uri="{FF2B5EF4-FFF2-40B4-BE49-F238E27FC236}">
-                <a16:creationId xmlns:a16="http://schemas.microsoft.com/office/drawing/2014/main" id="{70C54862-BAEA-B932-29B4-6EA3596A177D}"/>
+                <a16:creationId xmlns:a16="http://schemas.microsoft.com/office/drawing/2014/main" id="{CE6DB7D5-62CC-D2A3-93F5-3745D40DAFE4}"/>
               </a:ext>
             </a:extLst>
           </p:cNvPr>
@@ -6555,32 +6496,39 @@
             <a:spLocks noGrp="1"/>
           </p:cNvSpPr>
           <p:nvPr>
-            <p:ph type="title"/>
+            <p:ph type="ctrTitle"/>
           </p:nvPr>
         </p:nvSpPr>
         <p:spPr>
           <a:xfrm>
-            <a:off x="1080000" y="180000"/>
-            <a:ext cx="8534400" cy="1507067"/>
+            <a:off x="1080000" y="179999"/>
+            <a:ext cx="8535600" cy="1508400"/>
           </a:xfrm>
         </p:spPr>
         <p:txBody>
-          <a:bodyPr/>
-          <a:lstStyle/>
-          <a:p>
-            <a:r>
-              <a:rPr lang="ru-RU" dirty="0"/>
-              <a:t>Принцип работы</a:t>
-            </a:r>
-          </a:p>
-        </p:txBody>
-      </p:sp>
-      <p:sp>
-        <p:nvSpPr>
-          <p:cNvPr id="3" name="Объект 2">
+          <a:bodyPr anchor="ctr">
+            <a:normAutofit/>
+          </a:bodyPr>
+          <a:lstStyle/>
+          <a:p>
+            <a:pPr>
+              <a:lnSpc>
+                <a:spcPct val="150000"/>
+              </a:lnSpc>
+            </a:pPr>
+            <a:r>
+              <a:rPr lang="ru-RU" sz="3600" dirty="0"/>
+              <a:t>результат</a:t>
+            </a:r>
+          </a:p>
+        </p:txBody>
+      </p:sp>
+      <p:sp>
+        <p:nvSpPr>
+          <p:cNvPr id="3" name="Подзаголовок 2">
             <a:extLst>
               <a:ext uri="{FF2B5EF4-FFF2-40B4-BE49-F238E27FC236}">
-                <a16:creationId xmlns:a16="http://schemas.microsoft.com/office/drawing/2014/main" id="{F414F5B3-E0F9-57DC-449C-5B15976F9773}"/>
+                <a16:creationId xmlns:a16="http://schemas.microsoft.com/office/drawing/2014/main" id="{B7AFECD3-36D7-0B19-E2B5-42505C46199B}"/>
               </a:ext>
             </a:extLst>
           </p:cNvPr>
@@ -6588,27 +6536,43 @@
             <a:spLocks noGrp="1"/>
           </p:cNvSpPr>
           <p:nvPr>
-            <p:ph idx="1"/>
+            <p:ph type="subTitle" idx="1"/>
           </p:nvPr>
         </p:nvSpPr>
         <p:spPr>
           <a:xfrm>
-            <a:off x="1080000" y="2124987"/>
-            <a:ext cx="8534400" cy="3615267"/>
+            <a:off x="1440000" y="1800000"/>
+            <a:ext cx="8535600" cy="3614400"/>
           </a:xfrm>
         </p:spPr>
         <p:txBody>
-          <a:bodyPr/>
-          <a:lstStyle/>
-          <a:p>
-            <a:endParaRPr lang="ru-RU" dirty="0"/>
+          <a:bodyPr anchor="t">
+            <a:normAutofit/>
+          </a:bodyPr>
+          <a:lstStyle/>
+          <a:p>
+            <a:pPr>
+              <a:lnSpc>
+                <a:spcPct val="150000"/>
+              </a:lnSpc>
+            </a:pPr>
+            <a:r>
+              <a:rPr lang="ru-RU" sz="2000" dirty="0">
+                <a:solidFill>
+                  <a:schemeClr val="tx1">
+                    <a:lumMod val="95000"/>
+                  </a:schemeClr>
+                </a:solidFill>
+              </a:rPr>
+              <a:t>В результате работы над проектом мы получили приложение, полностью удовлетворяющее поставленным задачам и функциям и прошедшее все тесты</a:t>
+            </a:r>
           </a:p>
         </p:txBody>
       </p:sp>
     </p:spTree>
     <p:extLst>
       <p:ext uri="{BB962C8B-B14F-4D97-AF65-F5344CB8AC3E}">
-        <p14:creationId xmlns:p14="http://schemas.microsoft.com/office/powerpoint/2010/main" val="733344461"/>
+        <p14:creationId xmlns:p14="http://schemas.microsoft.com/office/powerpoint/2010/main" val="938822496"/>
       </p:ext>
     </p:extLst>
   </p:cSld>
@@ -6640,7 +6604,7 @@
           <p:cNvPr id="2" name="Заголовок 1">
             <a:extLst>
               <a:ext uri="{FF2B5EF4-FFF2-40B4-BE49-F238E27FC236}">
-                <a16:creationId xmlns:a16="http://schemas.microsoft.com/office/drawing/2014/main" id="{CE6DB7D5-62CC-D2A3-93F5-3745D40DAFE4}"/>
+                <a16:creationId xmlns:a16="http://schemas.microsoft.com/office/drawing/2014/main" id="{892D1794-8AF7-5B9C-75F6-AC03ADD83F96}"/>
               </a:ext>
             </a:extLst>
           </p:cNvPr>
@@ -6653,7 +6617,7 @@
         </p:nvSpPr>
         <p:spPr>
           <a:xfrm>
-            <a:off x="1080000" y="179999"/>
+            <a:off x="1080000" y="180000"/>
             <a:ext cx="8535600" cy="1508400"/>
           </a:xfrm>
         </p:spPr>
@@ -6670,7 +6634,7 @@
             </a:pPr>
             <a:r>
               <a:rPr lang="ru-RU" sz="3600" dirty="0"/>
-              <a:t>результат</a:t>
+              <a:t>Перспектива проекта</a:t>
             </a:r>
           </a:p>
         </p:txBody>
@@ -6680,7 +6644,7 @@
           <p:cNvPr id="3" name="Подзаголовок 2">
             <a:extLst>
               <a:ext uri="{FF2B5EF4-FFF2-40B4-BE49-F238E27FC236}">
-                <a16:creationId xmlns:a16="http://schemas.microsoft.com/office/drawing/2014/main" id="{B7AFECD3-36D7-0B19-E2B5-42505C46199B}"/>
+                <a16:creationId xmlns:a16="http://schemas.microsoft.com/office/drawing/2014/main" id="{758AA2F3-8C3E-C9F4-127F-236E8DBA5447}"/>
               </a:ext>
             </a:extLst>
           </p:cNvPr>
@@ -6694,11 +6658,11 @@
         <p:spPr>
           <a:xfrm>
             <a:off x="1440000" y="1800000"/>
-            <a:ext cx="8535600" cy="2865960"/>
+            <a:ext cx="8535600" cy="1508400"/>
           </a:xfrm>
         </p:spPr>
         <p:txBody>
-          <a:bodyPr anchor="t">
+          <a:bodyPr>
             <a:normAutofit/>
           </a:bodyPr>
           <a:lstStyle/>
@@ -6707,6 +6671,9 @@
               <a:lnSpc>
                 <a:spcPct val="150000"/>
               </a:lnSpc>
+              <a:spcBef>
+                <a:spcPts val="480"/>
+              </a:spcBef>
             </a:pPr>
             <a:r>
               <a:rPr lang="ru-RU" sz="2000" dirty="0">
@@ -6716,7 +6683,7 @@
                   </a:schemeClr>
                 </a:solidFill>
               </a:rPr>
-              <a:t>В результате работы над проектом мы получили приложение, полностью удовлетворяющее поставленным задачам и функциям и прошедшее все тесты</a:t>
+              <a:t>В ходе дальнейшей разработки приложения мы планируем …</a:t>
             </a:r>
           </a:p>
         </p:txBody>
@@ -6724,7 +6691,7 @@
     </p:spTree>
     <p:extLst>
       <p:ext uri="{BB962C8B-B14F-4D97-AF65-F5344CB8AC3E}">
-        <p14:creationId xmlns:p14="http://schemas.microsoft.com/office/powerpoint/2010/main" val="938822496"/>
+        <p14:creationId xmlns:p14="http://schemas.microsoft.com/office/powerpoint/2010/main" val="1680447787"/>
       </p:ext>
     </p:extLst>
   </p:cSld>
@@ -6756,122 +6723,6 @@
           <p:cNvPr id="2" name="Заголовок 1">
             <a:extLst>
               <a:ext uri="{FF2B5EF4-FFF2-40B4-BE49-F238E27FC236}">
-                <a16:creationId xmlns:a16="http://schemas.microsoft.com/office/drawing/2014/main" id="{892D1794-8AF7-5B9C-75F6-AC03ADD83F96}"/>
-              </a:ext>
-            </a:extLst>
-          </p:cNvPr>
-          <p:cNvSpPr>
-            <a:spLocks noGrp="1"/>
-          </p:cNvSpPr>
-          <p:nvPr>
-            <p:ph type="ctrTitle"/>
-          </p:nvPr>
-        </p:nvSpPr>
-        <p:spPr>
-          <a:xfrm>
-            <a:off x="1080000" y="180000"/>
-            <a:ext cx="8535600" cy="1508400"/>
-          </a:xfrm>
-        </p:spPr>
-        <p:txBody>
-          <a:bodyPr anchor="ctr">
-            <a:normAutofit/>
-          </a:bodyPr>
-          <a:lstStyle/>
-          <a:p>
-            <a:pPr>
-              <a:lnSpc>
-                <a:spcPct val="150000"/>
-              </a:lnSpc>
-            </a:pPr>
-            <a:r>
-              <a:rPr lang="ru-RU" sz="3600" dirty="0"/>
-              <a:t>Перспектива проекта</a:t>
-            </a:r>
-          </a:p>
-        </p:txBody>
-      </p:sp>
-      <p:sp>
-        <p:nvSpPr>
-          <p:cNvPr id="3" name="Подзаголовок 2">
-            <a:extLst>
-              <a:ext uri="{FF2B5EF4-FFF2-40B4-BE49-F238E27FC236}">
-                <a16:creationId xmlns:a16="http://schemas.microsoft.com/office/drawing/2014/main" id="{758AA2F3-8C3E-C9F4-127F-236E8DBA5447}"/>
-              </a:ext>
-            </a:extLst>
-          </p:cNvPr>
-          <p:cNvSpPr>
-            <a:spLocks noGrp="1"/>
-          </p:cNvSpPr>
-          <p:nvPr>
-            <p:ph type="subTitle" idx="1"/>
-          </p:nvPr>
-        </p:nvSpPr>
-        <p:spPr>
-          <a:xfrm>
-            <a:off x="1440000" y="1800000"/>
-            <a:ext cx="8535600" cy="1508400"/>
-          </a:xfrm>
-        </p:spPr>
-        <p:txBody>
-          <a:bodyPr>
-            <a:normAutofit/>
-          </a:bodyPr>
-          <a:lstStyle/>
-          <a:p>
-            <a:pPr>
-              <a:lnSpc>
-                <a:spcPct val="150000"/>
-              </a:lnSpc>
-            </a:pPr>
-            <a:r>
-              <a:rPr lang="ru-RU" sz="2000" dirty="0">
-                <a:solidFill>
-                  <a:schemeClr val="tx1">
-                    <a:lumMod val="95000"/>
-                  </a:schemeClr>
-                </a:solidFill>
-              </a:rPr>
-              <a:t>В ходе дальнейшей разработки приложения мы планируем …</a:t>
-            </a:r>
-          </a:p>
-        </p:txBody>
-      </p:sp>
-    </p:spTree>
-    <p:extLst>
-      <p:ext uri="{BB962C8B-B14F-4D97-AF65-F5344CB8AC3E}">
-        <p14:creationId xmlns:p14="http://schemas.microsoft.com/office/powerpoint/2010/main" val="1680447787"/>
-      </p:ext>
-    </p:extLst>
-  </p:cSld>
-  <p:clrMapOvr>
-    <a:masterClrMapping/>
-  </p:clrMapOvr>
-</p:sld>
-</file>
-
-<file path=ppt/slides/slide14.xml><?xml version="1.0" encoding="utf-8"?>
-<p:sld xmlns:a="http://schemas.openxmlformats.org/drawingml/2006/main" xmlns:r="http://schemas.openxmlformats.org/officeDocument/2006/relationships" xmlns:p="http://schemas.openxmlformats.org/presentationml/2006/main">
-  <p:cSld>
-    <p:spTree>
-      <p:nvGrpSpPr>
-        <p:cNvPr id="1" name=""/>
-        <p:cNvGrpSpPr/>
-        <p:nvPr/>
-      </p:nvGrpSpPr>
-      <p:grpSpPr>
-        <a:xfrm>
-          <a:off x="0" y="0"/>
-          <a:ext cx="0" cy="0"/>
-          <a:chOff x="0" y="0"/>
-          <a:chExt cx="0" cy="0"/>
-        </a:xfrm>
-      </p:grpSpPr>
-      <p:sp>
-        <p:nvSpPr>
-          <p:cNvPr id="2" name="Заголовок 1">
-            <a:extLst>
-              <a:ext uri="{FF2B5EF4-FFF2-40B4-BE49-F238E27FC236}">
                 <a16:creationId xmlns:a16="http://schemas.microsoft.com/office/drawing/2014/main" id="{91DE79C5-875D-0B5E-1770-4C9EEE334851}"/>
               </a:ext>
             </a:extLst>
@@ -6928,12 +6779,15 @@
           </a:xfrm>
         </p:spPr>
         <p:txBody>
-          <a:bodyPr>
+          <a:bodyPr anchor="t">
             <a:normAutofit/>
           </a:bodyPr>
           <a:lstStyle/>
           <a:p>
             <a:pPr>
+              <a:lnSpc>
+                <a:spcPct val="150000"/>
+              </a:lnSpc>
               <a:buFont typeface="Arial" panose="020B0604020202020204" pitchFamily="34" charset="0"/>
               <a:buChar char="•"/>
             </a:pPr>
@@ -6970,7 +6824,7 @@
 </p:sld>
 </file>
 
-<file path=ppt/slides/slide15.xml><?xml version="1.0" encoding="utf-8"?>
+<file path=ppt/slides/slide14.xml><?xml version="1.0" encoding="utf-8"?>
 <p:sld xmlns:a="http://schemas.openxmlformats.org/drawingml/2006/main" xmlns:r="http://schemas.openxmlformats.org/officeDocument/2006/relationships" xmlns:p="http://schemas.openxmlformats.org/presentationml/2006/main">
   <p:cSld>
     <p:spTree>
@@ -7092,65 +6946,96 @@
       </p:sp>
       <p:sp>
         <p:nvSpPr>
-          <p:cNvPr id="3" name="Объект 2">
+          <p:cNvPr id="5" name="Rectangle 2">
             <a:extLst>
               <a:ext uri="{FF2B5EF4-FFF2-40B4-BE49-F238E27FC236}">
-                <a16:creationId xmlns:a16="http://schemas.microsoft.com/office/drawing/2014/main" id="{4C580764-6A1E-FF69-2233-C0F846A77C56}"/>
+                <a16:creationId xmlns:a16="http://schemas.microsoft.com/office/drawing/2014/main" id="{14F823A3-44B3-2AA7-495D-7D7CFD9BFBF1}"/>
               </a:ext>
             </a:extLst>
           </p:cNvPr>
           <p:cNvSpPr>
-            <a:spLocks noGrp="1"/>
+            <a:spLocks noGrp="1" noChangeArrowheads="1"/>
           </p:cNvSpPr>
           <p:nvPr>
             <p:ph idx="1"/>
           </p:nvPr>
         </p:nvSpPr>
-        <p:spPr>
+        <p:spPr bwMode="auto">
           <a:xfrm>
             <a:off x="1440000" y="1800000"/>
-            <a:ext cx="8534400" cy="3615267"/>
+            <a:ext cx="8535600" cy="2803781"/>
           </a:xfrm>
+          <a:prstGeom prst="rect">
+            <a:avLst/>
+          </a:prstGeom>
+          <a:noFill/>
+          <a:ln>
+            <a:noFill/>
+          </a:ln>
+          <a:effectLst/>
+          <a:extLst>
+            <a:ext uri="{909E8E84-426E-40DD-AFC4-6F175D3DCCD1}">
+              <a14:hiddenFill xmlns:a14="http://schemas.microsoft.com/office/drawing/2010/main">
+                <a:solidFill>
+                  <a:schemeClr val="accent1"/>
+                </a:solidFill>
+              </a14:hiddenFill>
+            </a:ext>
+            <a:ext uri="{91240B29-F687-4F45-9708-019B960494DF}">
+              <a14:hiddenLine xmlns:a14="http://schemas.microsoft.com/office/drawing/2010/main" w="9525">
+                <a:solidFill>
+                  <a:schemeClr val="tx1"/>
+                </a:solidFill>
+                <a:miter lim="800000"/>
+                <a:headEnd/>
+                <a:tailEnd/>
+              </a14:hiddenLine>
+            </a:ext>
+            <a:ext uri="{AF507438-7753-43E0-B8FC-AC1667EBCBE1}">
+              <a14:hiddenEffects xmlns:a14="http://schemas.microsoft.com/office/drawing/2010/main">
+                <a:effectLst>
+                  <a:outerShdw dist="35921" dir="2700000" algn="ctr" rotWithShape="0">
+                    <a:schemeClr val="bg2"/>
+                  </a:outerShdw>
+                </a:effectLst>
+              </a14:hiddenEffects>
+            </a:ext>
+          </a:extLst>
         </p:spPr>
         <p:txBody>
-          <a:bodyPr anchor="t"/>
-          <a:lstStyle/>
-          <a:p>
-            <a:pPr marL="0" indent="0">
+          <a:bodyPr vert="horz" wrap="square" lIns="91440" tIns="45720" rIns="91440" bIns="45720" numCol="1" anchor="t" anchorCtr="0" compatLnSpc="1">
+            <a:prstTxWarp prst="textNoShape">
+              <a:avLst/>
+            </a:prstTxWarp>
+            <a:spAutoFit/>
+          </a:bodyPr>
+          <a:lstStyle/>
+          <a:p>
+            <a:pPr marL="0" marR="0" lvl="0" indent="0" algn="just" defTabSz="914400" rtl="0" eaLnBrk="0" fontAlgn="base" latinLnBrk="0" hangingPunct="0">
               <a:lnSpc>
                 <a:spcPct val="150000"/>
               </a:lnSpc>
-              <a:buNone/>
+              <a:spcBef>
+                <a:spcPts val="480"/>
+              </a:spcBef>
+              <a:buClrTx/>
+              <a:buSzTx/>
+              <a:buFontTx/>
+              <a:buNone/>
+              <a:tabLst/>
             </a:pPr>
             <a:r>
-              <a:rPr lang="ru-RU" dirty="0">
-                <a:solidFill>
-                  <a:schemeClr val="tx1">
-                    <a:lumMod val="95000"/>
-                  </a:schemeClr>
-                </a:solidFill>
+              <a:rPr kumimoji="0" lang="ru-RU" altLang="ru-RU" b="0" i="0" u="none" strike="noStrike" cap="none" normalizeH="0" baseline="0" dirty="0">
+                <a:ln>
+                  <a:noFill/>
+                </a:ln>
+                <a:solidFill>
+                  <a:schemeClr val="tx1"/>
+                </a:solidFill>
+                <a:effectLst/>
+                <a:latin typeface="Century Gothic" panose="020B0502020202020204" pitchFamily="34" charset="0"/>
               </a:rPr>
-              <a:t>В век технологий и большого количества быстро распространяющейся информации остро встала необходимость в знании своего родного языка</a:t>
-            </a:r>
-            <a:r>
-              <a:rPr lang="en-US" dirty="0">
-                <a:solidFill>
-                  <a:schemeClr val="tx1">
-                    <a:lumMod val="95000"/>
-                  </a:schemeClr>
-                </a:solidFill>
-              </a:rPr>
-              <a:t>.</a:t>
-            </a:r>
-            <a:r>
-              <a:rPr lang="ru-RU" dirty="0">
-                <a:solidFill>
-                  <a:schemeClr val="tx1">
-                    <a:lumMod val="95000"/>
-                  </a:schemeClr>
-                </a:solidFill>
-              </a:rPr>
-              <a:t> Но к сожалению без чтения речь становится скупой.</a:t>
+              <a:t>В век технологий и большого количества информации остро встала необходимость в знании родного языка на должном уровне. Мода на чтение обогащающей литературы уходит из-за чего речь словами паразитами, которые засоряют ее. Становится сложнее донести и уловить мысль собеседника. Наш проект стал первым шагом к решению этой проблемы.</a:t>
             </a:r>
           </a:p>
         </p:txBody>
@@ -7190,7 +7075,7 @@
           <p:cNvPr id="2" name="Заголовок 1">
             <a:extLst>
               <a:ext uri="{FF2B5EF4-FFF2-40B4-BE49-F238E27FC236}">
-                <a16:creationId xmlns:a16="http://schemas.microsoft.com/office/drawing/2014/main" id="{EA65FC72-E0D1-5A1A-2E11-DBAFF3F809AD}"/>
+                <a16:creationId xmlns:a16="http://schemas.microsoft.com/office/drawing/2014/main" id="{795B39EF-5957-C7AD-3CA4-EFC1894F6032}"/>
               </a:ext>
             </a:extLst>
           </p:cNvPr>
@@ -7213,7 +7098,7 @@
           <a:p>
             <a:r>
               <a:rPr lang="ru-RU" dirty="0"/>
-              <a:t>Цель проекта</a:t>
+              <a:t>Цели и Задачи проекта</a:t>
             </a:r>
           </a:p>
         </p:txBody>
@@ -7223,7 +7108,7 @@
           <p:cNvPr id="3" name="Объект 2">
             <a:extLst>
               <a:ext uri="{FF2B5EF4-FFF2-40B4-BE49-F238E27FC236}">
-                <a16:creationId xmlns:a16="http://schemas.microsoft.com/office/drawing/2014/main" id="{CE55FB46-EA17-F990-0F55-1C253AA6F58B}"/>
+                <a16:creationId xmlns:a16="http://schemas.microsoft.com/office/drawing/2014/main" id="{344B2AD5-6414-982D-2500-BCE0E49B32FE}"/>
               </a:ext>
             </a:extLst>
           </p:cNvPr>
@@ -7236,24 +7121,29 @@
         </p:nvSpPr>
         <p:spPr>
           <a:xfrm>
-            <a:off x="1440000" y="1800000"/>
-            <a:ext cx="8534400" cy="3615267"/>
+            <a:off x="1439999" y="1800000"/>
+            <a:ext cx="8610449" cy="4568995"/>
           </a:xfrm>
         </p:spPr>
         <p:txBody>
-          <a:bodyPr anchor="t"/>
+          <a:bodyPr anchor="t">
+            <a:noAutofit/>
+          </a:bodyPr>
           <a:lstStyle/>
           <a:p>
             <a:pPr>
               <a:lnSpc>
-                <a:spcPct val="150000"/>
+                <a:spcPct val="170000"/>
               </a:lnSpc>
+              <a:spcBef>
+                <a:spcPts val="480"/>
+              </a:spcBef>
             </a:pPr>
             <a:r>
               <a:rPr lang="ru-RU" dirty="0">
                 <a:solidFill>
                   <a:schemeClr val="tx1">
-                    <a:lumMod val="85000"/>
+                    <a:lumMod val="95000"/>
                   </a:schemeClr>
                 </a:solidFill>
               </a:rPr>
@@ -7263,18 +7153,202 @@
           <a:p>
             <a:pPr>
               <a:lnSpc>
-                <a:spcPct val="200000"/>
+                <a:spcPct val="170000"/>
               </a:lnSpc>
+              <a:spcBef>
+                <a:spcPts val="480"/>
+              </a:spcBef>
             </a:pPr>
             <a:r>
               <a:rPr lang="ru-RU" dirty="0">
                 <a:solidFill>
                   <a:schemeClr val="tx1">
-                    <a:lumMod val="85000"/>
+                    <a:lumMod val="95000"/>
                   </a:schemeClr>
                 </a:solidFill>
               </a:rPr>
               <a:t>Поиск аналогов нежелательным словам при письме</a:t>
+            </a:r>
+            <a:endParaRPr lang="en-US" dirty="0">
+              <a:solidFill>
+                <a:schemeClr val="tx1">
+                  <a:lumMod val="95000"/>
+                </a:schemeClr>
+              </a:solidFill>
+            </a:endParaRPr>
+          </a:p>
+          <a:p>
+            <a:pPr>
+              <a:lnSpc>
+                <a:spcPct val="170000"/>
+              </a:lnSpc>
+              <a:spcBef>
+                <a:spcPts val="480"/>
+              </a:spcBef>
+            </a:pPr>
+            <a:r>
+              <a:rPr lang="ru-RU" dirty="0">
+                <a:solidFill>
+                  <a:schemeClr val="tx1">
+                    <a:lumMod val="95000"/>
+                  </a:schemeClr>
+                </a:solidFill>
+              </a:rPr>
+              <a:t>Проанализировать всю имеющуюся литературу</a:t>
+            </a:r>
+          </a:p>
+          <a:p>
+            <a:pPr>
+              <a:lnSpc>
+                <a:spcPct val="170000"/>
+              </a:lnSpc>
+              <a:spcBef>
+                <a:spcPts val="480"/>
+              </a:spcBef>
+            </a:pPr>
+            <a:r>
+              <a:rPr lang="ru-RU" dirty="0">
+                <a:solidFill>
+                  <a:schemeClr val="tx1">
+                    <a:lumMod val="95000"/>
+                  </a:schemeClr>
+                </a:solidFill>
+              </a:rPr>
+              <a:t>Изучить язык программирования </a:t>
+            </a:r>
+            <a:r>
+              <a:rPr lang="en-US" dirty="0">
+                <a:solidFill>
+                  <a:schemeClr val="tx1">
+                    <a:lumMod val="95000"/>
+                  </a:schemeClr>
+                </a:solidFill>
+              </a:rPr>
+              <a:t>Python, </a:t>
+            </a:r>
+            <a:r>
+              <a:rPr lang="ru-RU" dirty="0">
+                <a:solidFill>
+                  <a:schemeClr val="tx1">
+                    <a:lumMod val="95000"/>
+                  </a:schemeClr>
+                </a:solidFill>
+              </a:rPr>
+              <a:t>библиотеку </a:t>
+            </a:r>
+            <a:r>
+              <a:rPr lang="en-US" dirty="0">
+                <a:solidFill>
+                  <a:schemeClr val="tx1">
+                    <a:lumMod val="95000"/>
+                  </a:schemeClr>
+                </a:solidFill>
+              </a:rPr>
+              <a:t>Flask</a:t>
+            </a:r>
+            <a:r>
+              <a:rPr lang="ru-RU" dirty="0">
+                <a:solidFill>
+                  <a:schemeClr val="tx1">
+                    <a:lumMod val="95000"/>
+                  </a:schemeClr>
+                </a:solidFill>
+              </a:rPr>
+              <a:t>, язык разметки и протокол </a:t>
+            </a:r>
+            <a:r>
+              <a:rPr lang="en-US" dirty="0">
+                <a:solidFill>
+                  <a:schemeClr val="tx1">
+                    <a:lumMod val="95000"/>
+                  </a:schemeClr>
+                </a:solidFill>
+              </a:rPr>
+              <a:t>HTML, </a:t>
+            </a:r>
+            <a:r>
+              <a:rPr lang="ru-RU" dirty="0">
+                <a:solidFill>
+                  <a:schemeClr val="tx1">
+                    <a:lumMod val="95000"/>
+                  </a:schemeClr>
+                </a:solidFill>
+              </a:rPr>
+              <a:t>язык стилей </a:t>
+            </a:r>
+            <a:r>
+              <a:rPr lang="en-US" dirty="0">
+                <a:solidFill>
+                  <a:schemeClr val="tx1">
+                    <a:lumMod val="95000"/>
+                  </a:schemeClr>
+                </a:solidFill>
+              </a:rPr>
+              <a:t>CSS</a:t>
+            </a:r>
+            <a:endParaRPr lang="ru-RU" dirty="0">
+              <a:solidFill>
+                <a:schemeClr val="tx1">
+                  <a:lumMod val="95000"/>
+                </a:schemeClr>
+              </a:solidFill>
+            </a:endParaRPr>
+          </a:p>
+          <a:p>
+            <a:pPr>
+              <a:lnSpc>
+                <a:spcPct val="170000"/>
+              </a:lnSpc>
+              <a:spcBef>
+                <a:spcPts val="480"/>
+              </a:spcBef>
+            </a:pPr>
+            <a:r>
+              <a:rPr lang="ru-RU" dirty="0">
+                <a:solidFill>
+                  <a:schemeClr val="tx1">
+                    <a:lumMod val="95000"/>
+                  </a:schemeClr>
+                </a:solidFill>
+              </a:rPr>
+              <a:t>Написать код для сайта на языке программирования </a:t>
+            </a:r>
+            <a:r>
+              <a:rPr lang="en-US" dirty="0">
+                <a:solidFill>
+                  <a:schemeClr val="tx1">
+                    <a:lumMod val="95000"/>
+                  </a:schemeClr>
+                </a:solidFill>
+              </a:rPr>
+              <a:t>Python</a:t>
+            </a:r>
+            <a:endParaRPr lang="ru-RU" dirty="0">
+              <a:solidFill>
+                <a:schemeClr val="tx1">
+                  <a:lumMod val="95000"/>
+                </a:schemeClr>
+              </a:solidFill>
+            </a:endParaRPr>
+          </a:p>
+          <a:p>
+            <a:pPr>
+              <a:lnSpc>
+                <a:spcPct val="170000"/>
+              </a:lnSpc>
+              <a:spcBef>
+                <a:spcPts val="480"/>
+              </a:spcBef>
+            </a:pPr>
+            <a:r>
+              <a:rPr lang="ru-RU" dirty="0">
+                <a:solidFill>
+                  <a:schemeClr val="tx1">
+                    <a:lumMod val="95000"/>
+                  </a:schemeClr>
+                </a:solidFill>
+              </a:rPr>
+              <a:t>Протестировать приложение на работоспособность</a:t>
             </a:r>
           </a:p>
         </p:txBody>
@@ -7282,7 +7356,7 @@
     </p:spTree>
     <p:extLst>
       <p:ext uri="{BB962C8B-B14F-4D97-AF65-F5344CB8AC3E}">
-        <p14:creationId xmlns:p14="http://schemas.microsoft.com/office/powerpoint/2010/main" val="1182018642"/>
+        <p14:creationId xmlns:p14="http://schemas.microsoft.com/office/powerpoint/2010/main" val="2224195763"/>
       </p:ext>
     </p:extLst>
   </p:cSld>
@@ -7314,258 +7388,6 @@
           <p:cNvPr id="2" name="Заголовок 1">
             <a:extLst>
               <a:ext uri="{FF2B5EF4-FFF2-40B4-BE49-F238E27FC236}">
-                <a16:creationId xmlns:a16="http://schemas.microsoft.com/office/drawing/2014/main" id="{795B39EF-5957-C7AD-3CA4-EFC1894F6032}"/>
-              </a:ext>
-            </a:extLst>
-          </p:cNvPr>
-          <p:cNvSpPr>
-            <a:spLocks noGrp="1"/>
-          </p:cNvSpPr>
-          <p:nvPr>
-            <p:ph type="title"/>
-          </p:nvPr>
-        </p:nvSpPr>
-        <p:spPr>
-          <a:xfrm>
-            <a:off x="1080000" y="180000"/>
-            <a:ext cx="8534400" cy="1507067"/>
-          </a:xfrm>
-        </p:spPr>
-        <p:txBody>
-          <a:bodyPr/>
-          <a:lstStyle/>
-          <a:p>
-            <a:r>
-              <a:rPr lang="ru-RU" dirty="0"/>
-              <a:t>Задачи проекта</a:t>
-            </a:r>
-          </a:p>
-        </p:txBody>
-      </p:sp>
-      <p:sp>
-        <p:nvSpPr>
-          <p:cNvPr id="3" name="Объект 2">
-            <a:extLst>
-              <a:ext uri="{FF2B5EF4-FFF2-40B4-BE49-F238E27FC236}">
-                <a16:creationId xmlns:a16="http://schemas.microsoft.com/office/drawing/2014/main" id="{344B2AD5-6414-982D-2500-BCE0E49B32FE}"/>
-              </a:ext>
-            </a:extLst>
-          </p:cNvPr>
-          <p:cNvSpPr>
-            <a:spLocks noGrp="1"/>
-          </p:cNvSpPr>
-          <p:nvPr>
-            <p:ph idx="1"/>
-          </p:nvPr>
-        </p:nvSpPr>
-        <p:spPr>
-          <a:xfrm>
-            <a:off x="1440000" y="1800000"/>
-            <a:ext cx="8534400" cy="3615267"/>
-          </a:xfrm>
-        </p:spPr>
-        <p:txBody>
-          <a:bodyPr anchor="t"/>
-          <a:lstStyle/>
-          <a:p>
-            <a:pPr>
-              <a:lnSpc>
-                <a:spcPct val="200000"/>
-              </a:lnSpc>
-            </a:pPr>
-            <a:r>
-              <a:rPr lang="ru-RU" dirty="0">
-                <a:solidFill>
-                  <a:schemeClr val="tx1">
-                    <a:lumMod val="95000"/>
-                  </a:schemeClr>
-                </a:solidFill>
-              </a:rPr>
-              <a:t>Проанализировать всю имеющуюся литературу</a:t>
-            </a:r>
-          </a:p>
-          <a:p>
-            <a:pPr>
-              <a:lnSpc>
-                <a:spcPct val="150000"/>
-              </a:lnSpc>
-            </a:pPr>
-            <a:r>
-              <a:rPr lang="ru-RU" dirty="0">
-                <a:solidFill>
-                  <a:schemeClr val="tx1">
-                    <a:lumMod val="95000"/>
-                  </a:schemeClr>
-                </a:solidFill>
-              </a:rPr>
-              <a:t>Изучить язык программирования </a:t>
-            </a:r>
-            <a:r>
-              <a:rPr lang="en-US" dirty="0">
-                <a:solidFill>
-                  <a:schemeClr val="tx1">
-                    <a:lumMod val="95000"/>
-                  </a:schemeClr>
-                </a:solidFill>
-              </a:rPr>
-              <a:t>Python, </a:t>
-            </a:r>
-            <a:r>
-              <a:rPr lang="ru-RU" dirty="0">
-                <a:solidFill>
-                  <a:schemeClr val="tx1">
-                    <a:lumMod val="95000"/>
-                  </a:schemeClr>
-                </a:solidFill>
-              </a:rPr>
-              <a:t>библиотеку </a:t>
-            </a:r>
-            <a:r>
-              <a:rPr lang="en-US" dirty="0">
-                <a:solidFill>
-                  <a:schemeClr val="tx1">
-                    <a:lumMod val="95000"/>
-                  </a:schemeClr>
-                </a:solidFill>
-              </a:rPr>
-              <a:t>Flask</a:t>
-            </a:r>
-            <a:r>
-              <a:rPr lang="ru-RU" dirty="0">
-                <a:solidFill>
-                  <a:schemeClr val="tx1">
-                    <a:lumMod val="95000"/>
-                  </a:schemeClr>
-                </a:solidFill>
-              </a:rPr>
-              <a:t>, язык разметки и протокол </a:t>
-            </a:r>
-            <a:r>
-              <a:rPr lang="en-US" dirty="0">
-                <a:solidFill>
-                  <a:schemeClr val="tx1">
-                    <a:lumMod val="95000"/>
-                  </a:schemeClr>
-                </a:solidFill>
-              </a:rPr>
-              <a:t>HTML, </a:t>
-            </a:r>
-            <a:r>
-              <a:rPr lang="ru-RU" dirty="0">
-                <a:solidFill>
-                  <a:schemeClr val="tx1">
-                    <a:lumMod val="95000"/>
-                  </a:schemeClr>
-                </a:solidFill>
-              </a:rPr>
-              <a:t>язык стилей </a:t>
-            </a:r>
-            <a:r>
-              <a:rPr lang="en-US" dirty="0">
-                <a:solidFill>
-                  <a:schemeClr val="tx1">
-                    <a:lumMod val="95000"/>
-                  </a:schemeClr>
-                </a:solidFill>
-              </a:rPr>
-              <a:t>CSS</a:t>
-            </a:r>
-            <a:endParaRPr lang="ru-RU" dirty="0">
-              <a:solidFill>
-                <a:schemeClr val="tx1">
-                  <a:lumMod val="95000"/>
-                </a:schemeClr>
-              </a:solidFill>
-            </a:endParaRPr>
-          </a:p>
-          <a:p>
-            <a:pPr>
-              <a:lnSpc>
-                <a:spcPct val="200000"/>
-              </a:lnSpc>
-            </a:pPr>
-            <a:r>
-              <a:rPr lang="ru-RU" dirty="0">
-                <a:solidFill>
-                  <a:schemeClr val="tx1">
-                    <a:lumMod val="95000"/>
-                  </a:schemeClr>
-                </a:solidFill>
-              </a:rPr>
-              <a:t>Написать код для сайта на языке программирования </a:t>
-            </a:r>
-            <a:r>
-              <a:rPr lang="en-US" dirty="0">
-                <a:solidFill>
-                  <a:schemeClr val="tx1">
-                    <a:lumMod val="95000"/>
-                  </a:schemeClr>
-                </a:solidFill>
-              </a:rPr>
-              <a:t>Python</a:t>
-            </a:r>
-            <a:endParaRPr lang="ru-RU" dirty="0">
-              <a:solidFill>
-                <a:schemeClr val="tx1">
-                  <a:lumMod val="95000"/>
-                </a:schemeClr>
-              </a:solidFill>
-            </a:endParaRPr>
-          </a:p>
-          <a:p>
-            <a:pPr>
-              <a:lnSpc>
-                <a:spcPct val="200000"/>
-              </a:lnSpc>
-            </a:pPr>
-            <a:r>
-              <a:rPr lang="ru-RU" dirty="0">
-                <a:solidFill>
-                  <a:schemeClr val="tx1">
-                    <a:lumMod val="95000"/>
-                  </a:schemeClr>
-                </a:solidFill>
-              </a:rPr>
-              <a:t>Протестировать приложение на работоспособность</a:t>
-            </a:r>
-          </a:p>
-        </p:txBody>
-      </p:sp>
-    </p:spTree>
-    <p:extLst>
-      <p:ext uri="{BB962C8B-B14F-4D97-AF65-F5344CB8AC3E}">
-        <p14:creationId xmlns:p14="http://schemas.microsoft.com/office/powerpoint/2010/main" val="2224195763"/>
-      </p:ext>
-    </p:extLst>
-  </p:cSld>
-  <p:clrMapOvr>
-    <a:masterClrMapping/>
-  </p:clrMapOvr>
-</p:sld>
-</file>
-
-<file path=ppt/slides/slide5.xml><?xml version="1.0" encoding="utf-8"?>
-<p:sld xmlns:a="http://schemas.openxmlformats.org/drawingml/2006/main" xmlns:r="http://schemas.openxmlformats.org/officeDocument/2006/relationships" xmlns:p="http://schemas.openxmlformats.org/presentationml/2006/main">
-  <p:cSld>
-    <p:spTree>
-      <p:nvGrpSpPr>
-        <p:cNvPr id="1" name=""/>
-        <p:cNvGrpSpPr/>
-        <p:nvPr/>
-      </p:nvGrpSpPr>
-      <p:grpSpPr>
-        <a:xfrm>
-          <a:off x="0" y="0"/>
-          <a:ext cx="0" cy="0"/>
-          <a:chOff x="0" y="0"/>
-          <a:chExt cx="0" cy="0"/>
-        </a:xfrm>
-      </p:grpSpPr>
-      <p:sp>
-        <p:nvSpPr>
-          <p:cNvPr id="2" name="Заголовок 1">
-            <a:extLst>
-              <a:ext uri="{FF2B5EF4-FFF2-40B4-BE49-F238E27FC236}">
                 <a16:creationId xmlns:a16="http://schemas.microsoft.com/office/drawing/2014/main" id="{769AB22C-5ED9-7062-1355-1DE4DDDFC5AB}"/>
               </a:ext>
             </a:extLst>
@@ -7685,7 +7507,7 @@
 </p:sld>
 </file>
 
-<file path=ppt/slides/slide6.xml><?xml version="1.0" encoding="utf-8"?>
+<file path=ppt/slides/slide5.xml><?xml version="1.0" encoding="utf-8"?>
 <p:sld xmlns:a="http://schemas.openxmlformats.org/drawingml/2006/main" xmlns:r="http://schemas.openxmlformats.org/officeDocument/2006/relationships" xmlns:p="http://schemas.openxmlformats.org/presentationml/2006/main">
   <p:cSld>
     <p:spTree>
@@ -8291,6 +8113,153 @@
 </p:sld>
 </file>
 
+<file path=ppt/slides/slide6.xml><?xml version="1.0" encoding="utf-8"?>
+<p:sld xmlns:a="http://schemas.openxmlformats.org/drawingml/2006/main" xmlns:r="http://schemas.openxmlformats.org/officeDocument/2006/relationships" xmlns:p="http://schemas.openxmlformats.org/presentationml/2006/main">
+  <p:cSld>
+    <p:spTree>
+      <p:nvGrpSpPr>
+        <p:cNvPr id="1" name=""/>
+        <p:cNvGrpSpPr/>
+        <p:nvPr/>
+      </p:nvGrpSpPr>
+      <p:grpSpPr>
+        <a:xfrm>
+          <a:off x="0" y="0"/>
+          <a:ext cx="0" cy="0"/>
+          <a:chOff x="0" y="0"/>
+          <a:chExt cx="0" cy="0"/>
+        </a:xfrm>
+      </p:grpSpPr>
+      <p:sp>
+        <p:nvSpPr>
+          <p:cNvPr id="2" name="Заголовок 1">
+            <a:extLst>
+              <a:ext uri="{FF2B5EF4-FFF2-40B4-BE49-F238E27FC236}">
+                <a16:creationId xmlns:a16="http://schemas.microsoft.com/office/drawing/2014/main" id="{B200DDCC-5320-6AB1-564D-D5FFD862357E}"/>
+              </a:ext>
+            </a:extLst>
+          </p:cNvPr>
+          <p:cNvSpPr>
+            <a:spLocks noGrp="1"/>
+          </p:cNvSpPr>
+          <p:nvPr>
+            <p:ph type="ctrTitle"/>
+          </p:nvPr>
+        </p:nvSpPr>
+        <p:spPr>
+          <a:xfrm>
+            <a:off x="1080000" y="180000"/>
+            <a:ext cx="8535600" cy="1508400"/>
+          </a:xfrm>
+        </p:spPr>
+        <p:txBody>
+          <a:bodyPr anchor="ctr">
+            <a:normAutofit/>
+          </a:bodyPr>
+          <a:lstStyle/>
+          <a:p>
+            <a:pPr>
+              <a:lnSpc>
+                <a:spcPct val="150000"/>
+              </a:lnSpc>
+            </a:pPr>
+            <a:r>
+              <a:rPr lang="ru-RU" sz="3600" dirty="0"/>
+              <a:t>Этимология</a:t>
+            </a:r>
+          </a:p>
+        </p:txBody>
+      </p:sp>
+      <p:sp>
+        <p:nvSpPr>
+          <p:cNvPr id="3" name="Подзаголовок 2">
+            <a:extLst>
+              <a:ext uri="{FF2B5EF4-FFF2-40B4-BE49-F238E27FC236}">
+                <a16:creationId xmlns:a16="http://schemas.microsoft.com/office/drawing/2014/main" id="{E12D506A-F212-E367-3943-4423D4B2FC4F}"/>
+              </a:ext>
+            </a:extLst>
+          </p:cNvPr>
+          <p:cNvSpPr>
+            <a:spLocks noGrp="1"/>
+          </p:cNvSpPr>
+          <p:nvPr>
+            <p:ph type="subTitle" idx="1"/>
+          </p:nvPr>
+        </p:nvSpPr>
+        <p:spPr>
+          <a:xfrm>
+            <a:off x="1440000" y="1800000"/>
+            <a:ext cx="8535600" cy="2867416"/>
+          </a:xfrm>
+        </p:spPr>
+        <p:txBody>
+          <a:bodyPr>
+            <a:normAutofit/>
+          </a:bodyPr>
+          <a:lstStyle/>
+          <a:p>
+            <a:pPr>
+              <a:lnSpc>
+                <a:spcPct val="150000"/>
+              </a:lnSpc>
+            </a:pPr>
+            <a:r>
+              <a:rPr lang="ru-RU" sz="2000" dirty="0">
+                <a:solidFill>
+                  <a:schemeClr val="tx1">
+                    <a:lumMod val="95000"/>
+                  </a:schemeClr>
+                </a:solidFill>
+              </a:rPr>
+              <a:t>Это раздел лингвистики, изучающий происхождение слов, их первоначальную структуру и семантические связи</a:t>
+            </a:r>
+          </a:p>
+          <a:p>
+            <a:pPr>
+              <a:lnSpc>
+                <a:spcPct val="150000"/>
+              </a:lnSpc>
+            </a:pPr>
+            <a:endParaRPr lang="ru-RU" sz="2000" dirty="0">
+              <a:solidFill>
+                <a:schemeClr val="tx1">
+                  <a:lumMod val="95000"/>
+                </a:schemeClr>
+              </a:solidFill>
+            </a:endParaRPr>
+          </a:p>
+          <a:p>
+            <a:pPr>
+              <a:lnSpc>
+                <a:spcPct val="150000"/>
+              </a:lnSpc>
+            </a:pPr>
+            <a:r>
+              <a:rPr lang="ru-RU" sz="2000" dirty="0">
+                <a:solidFill>
+                  <a:schemeClr val="tx1">
+                    <a:lumMod val="95000"/>
+                  </a:schemeClr>
+                </a:solidFill>
+              </a:rPr>
+              <a:t>Зная не только слово, но и его историю, вероятность запоминания синонима значительно повышается</a:t>
+            </a:r>
+          </a:p>
+        </p:txBody>
+      </p:sp>
+    </p:spTree>
+    <p:extLst>
+      <p:ext uri="{BB962C8B-B14F-4D97-AF65-F5344CB8AC3E}">
+        <p14:creationId xmlns:p14="http://schemas.microsoft.com/office/powerpoint/2010/main" val="553206896"/>
+      </p:ext>
+    </p:extLst>
+  </p:cSld>
+  <p:clrMapOvr>
+    <a:masterClrMapping/>
+  </p:clrMapOvr>
+</p:sld>
+</file>
+
 <file path=ppt/slides/slide7.xml><?xml version="1.0" encoding="utf-8"?>
 <p:sld xmlns:a="http://schemas.openxmlformats.org/drawingml/2006/main" xmlns:r="http://schemas.openxmlformats.org/officeDocument/2006/relationships" xmlns:p="http://schemas.openxmlformats.org/presentationml/2006/main">
   <p:cSld>
@@ -8313,7 +8282,7 @@
           <p:cNvPr id="2" name="Заголовок 1">
             <a:extLst>
               <a:ext uri="{FF2B5EF4-FFF2-40B4-BE49-F238E27FC236}">
-                <a16:creationId xmlns:a16="http://schemas.microsoft.com/office/drawing/2014/main" id="{B200DDCC-5320-6AB1-564D-D5FFD862357E}"/>
+                <a16:creationId xmlns:a16="http://schemas.microsoft.com/office/drawing/2014/main" id="{569F39CA-950A-4A07-EC9A-0AB641771B91}"/>
               </a:ext>
             </a:extLst>
           </p:cNvPr>
@@ -8327,7 +8296,7 @@
         <p:spPr>
           <a:xfrm>
             <a:off x="1080000" y="180000"/>
-            <a:ext cx="8535600" cy="1508400"/>
+            <a:ext cx="10440000" cy="1508400"/>
           </a:xfrm>
         </p:spPr>
         <p:txBody>
@@ -8343,8 +8312,13 @@
             </a:pPr>
             <a:r>
               <a:rPr lang="ru-RU" sz="3600" dirty="0"/>
-              <a:t>Этимология</a:t>
-            </a:r>
+              <a:t>Язык программирования </a:t>
+            </a:r>
+            <a:r>
+              <a:rPr lang="en-US" sz="3600" dirty="0"/>
+              <a:t>Python</a:t>
+            </a:r>
+            <a:endParaRPr lang="ru-RU" sz="3600" dirty="0"/>
           </a:p>
         </p:txBody>
       </p:sp>
@@ -8353,7 +8327,7 @@
           <p:cNvPr id="3" name="Подзаголовок 2">
             <a:extLst>
               <a:ext uri="{FF2B5EF4-FFF2-40B4-BE49-F238E27FC236}">
-                <a16:creationId xmlns:a16="http://schemas.microsoft.com/office/drawing/2014/main" id="{E12D506A-F212-E367-3943-4423D4B2FC4F}"/>
+                <a16:creationId xmlns:a16="http://schemas.microsoft.com/office/drawing/2014/main" id="{66E4803F-B0E9-EB24-6DCF-C1047E176AC0}"/>
               </a:ext>
             </a:extLst>
           </p:cNvPr>
@@ -8367,7 +8341,7 @@
         <p:spPr>
           <a:xfrm>
             <a:off x="1440000" y="1800000"/>
-            <a:ext cx="8535600" cy="2867416"/>
+            <a:ext cx="8535600" cy="3765914"/>
           </a:xfrm>
         </p:spPr>
         <p:txBody>
@@ -8389,7 +8363,7 @@
                   </a:schemeClr>
                 </a:solidFill>
               </a:rPr>
-              <a:t>Это раздел лингвистики, изучающий происхождение слов, их первоначальную структуру и семантические связи</a:t>
+              <a:t>Это язык программирования высокого уровня с ясным и лаконичным синтаксисом, который делает акцент на читабельности кода</a:t>
             </a:r>
           </a:p>
           <a:p>
@@ -8420,7 +8394,7 @@
                   </a:schemeClr>
                 </a:solidFill>
               </a:rPr>
-              <a:t>Зная не только слово, но и его историю, вероятность запоминания синонима значительно повышается</a:t>
+              <a:t>Помогает быстро создать надежный и функциональный прототип или готовый продукт</a:t>
             </a:r>
           </a:p>
         </p:txBody>
@@ -8428,7 +8402,7 @@
     </p:spTree>
     <p:extLst>
       <p:ext uri="{BB962C8B-B14F-4D97-AF65-F5344CB8AC3E}">
-        <p14:creationId xmlns:p14="http://schemas.microsoft.com/office/powerpoint/2010/main" val="553206896"/>
+        <p14:creationId xmlns:p14="http://schemas.microsoft.com/office/powerpoint/2010/main" val="3416151828"/>
       </p:ext>
     </p:extLst>
   </p:cSld>
@@ -8460,7 +8434,7 @@
           <p:cNvPr id="2" name="Заголовок 1">
             <a:extLst>
               <a:ext uri="{FF2B5EF4-FFF2-40B4-BE49-F238E27FC236}">
-                <a16:creationId xmlns:a16="http://schemas.microsoft.com/office/drawing/2014/main" id="{569F39CA-950A-4A07-EC9A-0AB641771B91}"/>
+                <a16:creationId xmlns:a16="http://schemas.microsoft.com/office/drawing/2014/main" id="{62078369-EA1B-372C-8C5F-F182E9D310D2}"/>
               </a:ext>
             </a:extLst>
           </p:cNvPr>
@@ -8468,19 +8442,17 @@
             <a:spLocks noGrp="1"/>
           </p:cNvSpPr>
           <p:nvPr>
-            <p:ph type="ctrTitle"/>
+            <p:ph type="title"/>
           </p:nvPr>
         </p:nvSpPr>
         <p:spPr>
           <a:xfrm>
             <a:off x="1080000" y="180000"/>
-            <a:ext cx="10440000" cy="1508400"/>
+            <a:ext cx="8534400" cy="1507067"/>
           </a:xfrm>
         </p:spPr>
         <p:txBody>
-          <a:bodyPr anchor="ctr">
-            <a:normAutofit/>
-          </a:bodyPr>
+          <a:bodyPr/>
           <a:lstStyle/>
           <a:p>
             <a:pPr>
@@ -8489,23 +8461,18 @@
               </a:lnSpc>
             </a:pPr>
             <a:r>
-              <a:rPr lang="ru-RU" sz="3600" dirty="0"/>
-              <a:t>Язык программирования </a:t>
-            </a:r>
-            <a:r>
-              <a:rPr lang="en-US" sz="3600" dirty="0"/>
-              <a:t>Python</a:t>
-            </a:r>
-            <a:endParaRPr lang="ru-RU" sz="3600" dirty="0"/>
-          </a:p>
-        </p:txBody>
-      </p:sp>
-      <p:sp>
-        <p:nvSpPr>
-          <p:cNvPr id="3" name="Подзаголовок 2">
+              <a:rPr lang="ru-RU" dirty="0"/>
+              <a:t>Похожие приложения</a:t>
+            </a:r>
+          </a:p>
+        </p:txBody>
+      </p:sp>
+      <p:sp>
+        <p:nvSpPr>
+          <p:cNvPr id="3" name="Объект 2">
             <a:extLst>
               <a:ext uri="{FF2B5EF4-FFF2-40B4-BE49-F238E27FC236}">
-                <a16:creationId xmlns:a16="http://schemas.microsoft.com/office/drawing/2014/main" id="{66E4803F-B0E9-EB24-6DCF-C1047E176AC0}"/>
+                <a16:creationId xmlns:a16="http://schemas.microsoft.com/office/drawing/2014/main" id="{47E3DE04-2402-1760-0CB4-9BDA84C5E901}"/>
               </a:ext>
             </a:extLst>
           </p:cNvPr>
@@ -8513,74 +8480,27 @@
             <a:spLocks noGrp="1"/>
           </p:cNvSpPr>
           <p:nvPr>
-            <p:ph type="subTitle" idx="1"/>
+            <p:ph idx="1"/>
           </p:nvPr>
         </p:nvSpPr>
         <p:spPr>
           <a:xfrm>
-            <a:off x="1440000" y="1800000"/>
-            <a:ext cx="8535600" cy="3765914"/>
+            <a:off x="1080000" y="2236304"/>
+            <a:ext cx="8534400" cy="3615267"/>
           </a:xfrm>
         </p:spPr>
         <p:txBody>
-          <a:bodyPr>
-            <a:normAutofit/>
-          </a:bodyPr>
-          <a:lstStyle/>
-          <a:p>
-            <a:pPr>
-              <a:lnSpc>
-                <a:spcPct val="150000"/>
-              </a:lnSpc>
-            </a:pPr>
-            <a:r>
-              <a:rPr lang="ru-RU" sz="2000" dirty="0">
-                <a:solidFill>
-                  <a:schemeClr val="tx1">
-                    <a:lumMod val="95000"/>
-                  </a:schemeClr>
-                </a:solidFill>
-              </a:rPr>
-              <a:t>Это язык программирования высокого уровня с ясным и лаконичным синтаксисом, который делает акцент на читабельности кода</a:t>
-            </a:r>
-          </a:p>
-          <a:p>
-            <a:pPr>
-              <a:lnSpc>
-                <a:spcPct val="150000"/>
-              </a:lnSpc>
-            </a:pPr>
-            <a:endParaRPr lang="ru-RU" sz="2000" dirty="0">
-              <a:solidFill>
-                <a:schemeClr val="tx1">
-                  <a:lumMod val="95000"/>
-                </a:schemeClr>
-              </a:solidFill>
-            </a:endParaRPr>
-          </a:p>
-          <a:p>
-            <a:pPr>
-              <a:lnSpc>
-                <a:spcPct val="150000"/>
-              </a:lnSpc>
-            </a:pPr>
-            <a:r>
-              <a:rPr lang="ru-RU" sz="2000" dirty="0">
-                <a:solidFill>
-                  <a:schemeClr val="tx1">
-                    <a:lumMod val="95000"/>
-                  </a:schemeClr>
-                </a:solidFill>
-              </a:rPr>
-              <a:t>Помогает быстро создать надежный и функциональный прототип или готовый продукт</a:t>
-            </a:r>
+          <a:bodyPr/>
+          <a:lstStyle/>
+          <a:p>
+            <a:endParaRPr lang="ru-RU" dirty="0"/>
           </a:p>
         </p:txBody>
       </p:sp>
     </p:spTree>
     <p:extLst>
       <p:ext uri="{BB962C8B-B14F-4D97-AF65-F5344CB8AC3E}">
-        <p14:creationId xmlns:p14="http://schemas.microsoft.com/office/powerpoint/2010/main" val="3416151828"/>
+        <p14:creationId xmlns:p14="http://schemas.microsoft.com/office/powerpoint/2010/main" val="2027374297"/>
       </p:ext>
     </p:extLst>
   </p:cSld>
@@ -8612,7 +8532,7 @@
           <p:cNvPr id="2" name="Заголовок 1">
             <a:extLst>
               <a:ext uri="{FF2B5EF4-FFF2-40B4-BE49-F238E27FC236}">
-                <a16:creationId xmlns:a16="http://schemas.microsoft.com/office/drawing/2014/main" id="{62078369-EA1B-372C-8C5F-F182E9D310D2}"/>
+                <a16:creationId xmlns:a16="http://schemas.microsoft.com/office/drawing/2014/main" id="{F9F9B821-A6BD-E310-F1A4-5B11BC0C816F}"/>
               </a:ext>
             </a:extLst>
           </p:cNvPr>
@@ -8633,52 +8553,140 @@
           <a:bodyPr/>
           <a:lstStyle/>
           <a:p>
+            <a:r>
+              <a:rPr lang="ru-RU" dirty="0"/>
+              <a:t>Принцип работы</a:t>
+            </a:r>
+          </a:p>
+        </p:txBody>
+      </p:sp>
+      <p:sp>
+        <p:nvSpPr>
+          <p:cNvPr id="3" name="Объект 2">
+            <a:extLst>
+              <a:ext uri="{FF2B5EF4-FFF2-40B4-BE49-F238E27FC236}">
+                <a16:creationId xmlns:a16="http://schemas.microsoft.com/office/drawing/2014/main" id="{866FC569-9FB4-7364-427B-DBC1CEDD19D1}"/>
+              </a:ext>
+            </a:extLst>
+          </p:cNvPr>
+          <p:cNvSpPr>
+            <a:spLocks noGrp="1"/>
+          </p:cNvSpPr>
+          <p:nvPr>
+            <p:ph idx="1"/>
+          </p:nvPr>
+        </p:nvSpPr>
+        <p:spPr>
+          <a:xfrm>
+            <a:off x="1440000" y="1800000"/>
+            <a:ext cx="8535600" cy="3614400"/>
+          </a:xfrm>
+        </p:spPr>
+        <p:txBody>
+          <a:bodyPr anchor="t"/>
+          <a:lstStyle/>
+          <a:p>
             <a:pPr>
               <a:lnSpc>
                 <a:spcPct val="150000"/>
               </a:lnSpc>
             </a:pPr>
             <a:r>
-              <a:rPr lang="ru-RU" dirty="0"/>
-              <a:t>Похожие приложения</a:t>
-            </a:r>
-          </a:p>
-        </p:txBody>
-      </p:sp>
-      <p:sp>
-        <p:nvSpPr>
-          <p:cNvPr id="3" name="Объект 2">
-            <a:extLst>
-              <a:ext uri="{FF2B5EF4-FFF2-40B4-BE49-F238E27FC236}">
-                <a16:creationId xmlns:a16="http://schemas.microsoft.com/office/drawing/2014/main" id="{47E3DE04-2402-1760-0CB4-9BDA84C5E901}"/>
-              </a:ext>
-            </a:extLst>
-          </p:cNvPr>
-          <p:cNvSpPr>
-            <a:spLocks noGrp="1"/>
-          </p:cNvSpPr>
-          <p:nvPr>
-            <p:ph idx="1"/>
-          </p:nvPr>
-        </p:nvSpPr>
-        <p:spPr>
-          <a:xfrm>
-            <a:off x="1080000" y="2236304"/>
-            <a:ext cx="8534400" cy="3615267"/>
-          </a:xfrm>
-        </p:spPr>
-        <p:txBody>
-          <a:bodyPr/>
-          <a:lstStyle/>
-          <a:p>
-            <a:endParaRPr lang="ru-RU" dirty="0"/>
+              <a:rPr lang="en-US" dirty="0" err="1">
+                <a:solidFill>
+                  <a:schemeClr val="tx1">
+                    <a:lumMod val="95000"/>
+                  </a:schemeClr>
+                </a:solidFill>
+              </a:rPr>
+              <a:t>QuillBot</a:t>
+            </a:r>
+            <a:endParaRPr lang="en-US" dirty="0">
+              <a:solidFill>
+                <a:schemeClr val="tx1">
+                  <a:lumMod val="95000"/>
+                </a:schemeClr>
+              </a:solidFill>
+            </a:endParaRPr>
+          </a:p>
+          <a:p>
+            <a:pPr>
+              <a:lnSpc>
+                <a:spcPct val="150000"/>
+              </a:lnSpc>
+            </a:pPr>
+            <a:r>
+              <a:rPr lang="en-US" dirty="0" err="1">
+                <a:solidFill>
+                  <a:schemeClr val="tx1">
+                    <a:lumMod val="95000"/>
+                  </a:schemeClr>
+                </a:solidFill>
+              </a:rPr>
+              <a:t>Wordtune</a:t>
+            </a:r>
+            <a:endParaRPr lang="en-US" dirty="0">
+              <a:solidFill>
+                <a:schemeClr val="tx1">
+                  <a:lumMod val="95000"/>
+                </a:schemeClr>
+              </a:solidFill>
+            </a:endParaRPr>
+          </a:p>
+          <a:p>
+            <a:pPr>
+              <a:lnSpc>
+                <a:spcPct val="150000"/>
+              </a:lnSpc>
+            </a:pPr>
+            <a:r>
+              <a:rPr lang="en-US" dirty="0" err="1">
+                <a:solidFill>
+                  <a:schemeClr val="tx1">
+                    <a:lumMod val="95000"/>
+                  </a:schemeClr>
+                </a:solidFill>
+              </a:rPr>
+              <a:t>LanguageTool</a:t>
+            </a:r>
+            <a:endParaRPr lang="en-US" dirty="0">
+              <a:solidFill>
+                <a:schemeClr val="tx1">
+                  <a:lumMod val="95000"/>
+                </a:schemeClr>
+              </a:solidFill>
+            </a:endParaRPr>
+          </a:p>
+          <a:p>
+            <a:pPr>
+              <a:lnSpc>
+                <a:spcPct val="150000"/>
+              </a:lnSpc>
+            </a:pPr>
+            <a:r>
+              <a:rPr lang="en-US" dirty="0">
+                <a:solidFill>
+                  <a:schemeClr val="tx1">
+                    <a:lumMod val="95000"/>
+                  </a:schemeClr>
+                </a:solidFill>
+              </a:rPr>
+              <a:t>Hypotenuse AI</a:t>
+            </a:r>
+            <a:endParaRPr lang="ru-RU" dirty="0">
+              <a:solidFill>
+                <a:schemeClr val="tx1">
+                  <a:lumMod val="95000"/>
+                </a:schemeClr>
+              </a:solidFill>
+            </a:endParaRPr>
           </a:p>
         </p:txBody>
       </p:sp>
     </p:spTree>
     <p:extLst>
       <p:ext uri="{BB962C8B-B14F-4D97-AF65-F5344CB8AC3E}">
-        <p14:creationId xmlns:p14="http://schemas.microsoft.com/office/powerpoint/2010/main" val="2027374297"/>
+        <p14:creationId xmlns:p14="http://schemas.microsoft.com/office/powerpoint/2010/main" val="1639685267"/>
       </p:ext>
     </p:extLst>
   </p:cSld>
